--- a/Calendario2024/Presentaciones/15_DHCP.pptx
+++ b/Calendario2024/Presentaciones/15_DHCP.pptx
@@ -212,7 +212,7 @@
           <a:p>
             <a:fld id="{2D445F07-8756-451B-A938-0248325FC7BB}" type="datetimeFigureOut">
               <a:rPr lang="es-MX" smtClean="0"/>
-              <a:t>10/06/2023</a:t>
+              <a:t>27/05/2024</a:t>
             </a:fld>
             <a:endParaRPr lang="es-MX" dirty="0"/>
           </a:p>
@@ -371,7 +371,7 @@
           <a:p>
             <a:fld id="{5993AEC0-242E-4FA7-9D3C-51E1036AC3CB}" type="slidenum">
               <a:rPr lang="es-MX" smtClean="0"/>
-              <a:t>‹Nº›</a:t>
+              <a:t>‹#›</a:t>
             </a:fld>
             <a:endParaRPr lang="es-MX" dirty="0"/>
           </a:p>
@@ -1001,7 +1001,7 @@
           <a:p>
             <a:fld id="{5E75A0DC-66C6-4CEC-A5EB-F8C97CEC3796}" type="datetimeFigureOut">
               <a:rPr lang="es-MX" smtClean="0"/>
-              <a:t>10/06/2023</a:t>
+              <a:t>27/05/2024</a:t>
             </a:fld>
             <a:endParaRPr lang="es-MX" dirty="0"/>
           </a:p>
@@ -1043,7 +1043,7 @@
           <a:p>
             <a:fld id="{C077EE1E-7A06-4E7F-9AFB-189FC69B7B0C}" type="slidenum">
               <a:rPr lang="es-MX" smtClean="0"/>
-              <a:t>‹Nº›</a:t>
+              <a:t>‹#›</a:t>
             </a:fld>
             <a:endParaRPr lang="es-MX" dirty="0"/>
           </a:p>
@@ -1171,7 +1171,7 @@
           <a:p>
             <a:fld id="{5E75A0DC-66C6-4CEC-A5EB-F8C97CEC3796}" type="datetimeFigureOut">
               <a:rPr lang="es-MX" smtClean="0"/>
-              <a:t>10/06/2023</a:t>
+              <a:t>27/05/2024</a:t>
             </a:fld>
             <a:endParaRPr lang="es-MX" dirty="0"/>
           </a:p>
@@ -1213,7 +1213,7 @@
           <a:p>
             <a:fld id="{C077EE1E-7A06-4E7F-9AFB-189FC69B7B0C}" type="slidenum">
               <a:rPr lang="es-MX" smtClean="0"/>
-              <a:t>‹Nº›</a:t>
+              <a:t>‹#›</a:t>
             </a:fld>
             <a:endParaRPr lang="es-MX" dirty="0"/>
           </a:p>
@@ -1351,7 +1351,7 @@
           <a:p>
             <a:fld id="{5E75A0DC-66C6-4CEC-A5EB-F8C97CEC3796}" type="datetimeFigureOut">
               <a:rPr lang="es-MX" smtClean="0"/>
-              <a:t>10/06/2023</a:t>
+              <a:t>27/05/2024</a:t>
             </a:fld>
             <a:endParaRPr lang="es-MX" dirty="0"/>
           </a:p>
@@ -1393,7 +1393,7 @@
           <a:p>
             <a:fld id="{C077EE1E-7A06-4E7F-9AFB-189FC69B7B0C}" type="slidenum">
               <a:rPr lang="es-MX" smtClean="0"/>
-              <a:t>‹Nº›</a:t>
+              <a:t>‹#›</a:t>
             </a:fld>
             <a:endParaRPr lang="es-MX" dirty="0"/>
           </a:p>
@@ -1521,7 +1521,7 @@
           <a:p>
             <a:fld id="{5E75A0DC-66C6-4CEC-A5EB-F8C97CEC3796}" type="datetimeFigureOut">
               <a:rPr lang="es-MX" smtClean="0"/>
-              <a:t>10/06/2023</a:t>
+              <a:t>27/05/2024</a:t>
             </a:fld>
             <a:endParaRPr lang="es-MX" dirty="0"/>
           </a:p>
@@ -1563,7 +1563,7 @@
           <a:p>
             <a:fld id="{C077EE1E-7A06-4E7F-9AFB-189FC69B7B0C}" type="slidenum">
               <a:rPr lang="es-MX" smtClean="0"/>
-              <a:t>‹Nº›</a:t>
+              <a:t>‹#›</a:t>
             </a:fld>
             <a:endParaRPr lang="es-MX" dirty="0"/>
           </a:p>
@@ -1767,7 +1767,7 @@
           <a:p>
             <a:fld id="{5E75A0DC-66C6-4CEC-A5EB-F8C97CEC3796}" type="datetimeFigureOut">
               <a:rPr lang="es-MX" smtClean="0"/>
-              <a:t>10/06/2023</a:t>
+              <a:t>27/05/2024</a:t>
             </a:fld>
             <a:endParaRPr lang="es-MX" dirty="0"/>
           </a:p>
@@ -1809,7 +1809,7 @@
           <a:p>
             <a:fld id="{C077EE1E-7A06-4E7F-9AFB-189FC69B7B0C}" type="slidenum">
               <a:rPr lang="es-MX" smtClean="0"/>
-              <a:t>‹Nº›</a:t>
+              <a:t>‹#›</a:t>
             </a:fld>
             <a:endParaRPr lang="es-MX" dirty="0"/>
           </a:p>
@@ -2055,7 +2055,7 @@
           <a:p>
             <a:fld id="{5E75A0DC-66C6-4CEC-A5EB-F8C97CEC3796}" type="datetimeFigureOut">
               <a:rPr lang="es-MX" smtClean="0"/>
-              <a:t>10/06/2023</a:t>
+              <a:t>27/05/2024</a:t>
             </a:fld>
             <a:endParaRPr lang="es-MX" dirty="0"/>
           </a:p>
@@ -2097,7 +2097,7 @@
           <a:p>
             <a:fld id="{C077EE1E-7A06-4E7F-9AFB-189FC69B7B0C}" type="slidenum">
               <a:rPr lang="es-MX" smtClean="0"/>
-              <a:t>‹Nº›</a:t>
+              <a:t>‹#›</a:t>
             </a:fld>
             <a:endParaRPr lang="es-MX" dirty="0"/>
           </a:p>
@@ -2477,7 +2477,7 @@
           <a:p>
             <a:fld id="{5E75A0DC-66C6-4CEC-A5EB-F8C97CEC3796}" type="datetimeFigureOut">
               <a:rPr lang="es-MX" smtClean="0"/>
-              <a:t>10/06/2023</a:t>
+              <a:t>27/05/2024</a:t>
             </a:fld>
             <a:endParaRPr lang="es-MX" dirty="0"/>
           </a:p>
@@ -2519,7 +2519,7 @@
           <a:p>
             <a:fld id="{C077EE1E-7A06-4E7F-9AFB-189FC69B7B0C}" type="slidenum">
               <a:rPr lang="es-MX" smtClean="0"/>
-              <a:t>‹Nº›</a:t>
+              <a:t>‹#›</a:t>
             </a:fld>
             <a:endParaRPr lang="es-MX" dirty="0"/>
           </a:p>
@@ -2595,7 +2595,7 @@
           <a:p>
             <a:fld id="{5E75A0DC-66C6-4CEC-A5EB-F8C97CEC3796}" type="datetimeFigureOut">
               <a:rPr lang="es-MX" smtClean="0"/>
-              <a:t>10/06/2023</a:t>
+              <a:t>27/05/2024</a:t>
             </a:fld>
             <a:endParaRPr lang="es-MX" dirty="0"/>
           </a:p>
@@ -2637,7 +2637,7 @@
           <a:p>
             <a:fld id="{C077EE1E-7A06-4E7F-9AFB-189FC69B7B0C}" type="slidenum">
               <a:rPr lang="es-MX" smtClean="0"/>
-              <a:t>‹Nº›</a:t>
+              <a:t>‹#›</a:t>
             </a:fld>
             <a:endParaRPr lang="es-MX" dirty="0"/>
           </a:p>
@@ -2690,7 +2690,7 @@
           <a:p>
             <a:fld id="{5E75A0DC-66C6-4CEC-A5EB-F8C97CEC3796}" type="datetimeFigureOut">
               <a:rPr lang="es-MX" smtClean="0"/>
-              <a:t>10/06/2023</a:t>
+              <a:t>27/05/2024</a:t>
             </a:fld>
             <a:endParaRPr lang="es-MX" dirty="0"/>
           </a:p>
@@ -2732,7 +2732,7 @@
           <a:p>
             <a:fld id="{C077EE1E-7A06-4E7F-9AFB-189FC69B7B0C}" type="slidenum">
               <a:rPr lang="es-MX" smtClean="0"/>
-              <a:t>‹Nº›</a:t>
+              <a:t>‹#›</a:t>
             </a:fld>
             <a:endParaRPr lang="es-MX" dirty="0"/>
           </a:p>
@@ -2967,7 +2967,7 @@
           <a:p>
             <a:fld id="{5E75A0DC-66C6-4CEC-A5EB-F8C97CEC3796}" type="datetimeFigureOut">
               <a:rPr lang="es-MX" smtClean="0"/>
-              <a:t>10/06/2023</a:t>
+              <a:t>27/05/2024</a:t>
             </a:fld>
             <a:endParaRPr lang="es-MX" dirty="0"/>
           </a:p>
@@ -3009,7 +3009,7 @@
           <a:p>
             <a:fld id="{C077EE1E-7A06-4E7F-9AFB-189FC69B7B0C}" type="slidenum">
               <a:rPr lang="es-MX" smtClean="0"/>
-              <a:t>‹Nº›</a:t>
+              <a:t>‹#›</a:t>
             </a:fld>
             <a:endParaRPr lang="es-MX" dirty="0"/>
           </a:p>
@@ -3220,7 +3220,7 @@
           <a:p>
             <a:fld id="{5E75A0DC-66C6-4CEC-A5EB-F8C97CEC3796}" type="datetimeFigureOut">
               <a:rPr lang="es-MX" smtClean="0"/>
-              <a:t>10/06/2023</a:t>
+              <a:t>27/05/2024</a:t>
             </a:fld>
             <a:endParaRPr lang="es-MX" dirty="0"/>
           </a:p>
@@ -3262,7 +3262,7 @@
           <a:p>
             <a:fld id="{C077EE1E-7A06-4E7F-9AFB-189FC69B7B0C}" type="slidenum">
               <a:rPr lang="es-MX" smtClean="0"/>
-              <a:t>‹Nº›</a:t>
+              <a:t>‹#›</a:t>
             </a:fld>
             <a:endParaRPr lang="es-MX" dirty="0"/>
           </a:p>
@@ -3433,7 +3433,7 @@
           <a:p>
             <a:fld id="{5E75A0DC-66C6-4CEC-A5EB-F8C97CEC3796}" type="datetimeFigureOut">
               <a:rPr lang="es-MX" smtClean="0"/>
-              <a:t>10/06/2023</a:t>
+              <a:t>27/05/2024</a:t>
             </a:fld>
             <a:endParaRPr lang="es-MX" dirty="0"/>
           </a:p>
@@ -3511,7 +3511,7 @@
           <a:p>
             <a:fld id="{C077EE1E-7A06-4E7F-9AFB-189FC69B7B0C}" type="slidenum">
               <a:rPr lang="es-MX" smtClean="0"/>
-              <a:t>‹Nº›</a:t>
+              <a:t>‹#›</a:t>
             </a:fld>
             <a:endParaRPr lang="es-MX" dirty="0"/>
           </a:p>
@@ -6022,7 +6022,7 @@
               <a:t>network</a:t>
             </a:r>
             <a:r>
-              <a:rPr lang="es-MX" sz="1600" b="1" dirty="0">
+              <a:rPr lang="es-MX" sz="1600" b="1">
                 <a:solidFill>
                   <a:schemeClr val="bg2">
                     <a:lumMod val="25000"/>
@@ -6031,10 +6031,10 @@
                 <a:latin typeface="Arial" panose="020B0604020202020204" pitchFamily="34" charset="0"/>
                 <a:cs typeface="Arial" panose="020B0604020202020204" pitchFamily="34" charset="0"/>
               </a:rPr>
-              <a:t> </a:t>
-            </a:r>
-            <a:r>
-              <a:rPr lang="es-MX" sz="1600" dirty="0" err="1">
+              <a:t>  </a:t>
+            </a:r>
+            <a:r>
+              <a:rPr lang="es-MX" sz="1600">
                 <a:solidFill>
                   <a:schemeClr val="bg2">
                     <a:lumMod val="25000"/>
@@ -6043,7 +6043,7 @@
                 <a:latin typeface="Arial" panose="020B0604020202020204" pitchFamily="34" charset="0"/>
                 <a:cs typeface="Arial" panose="020B0604020202020204" pitchFamily="34" charset="0"/>
               </a:rPr>
-              <a:t>dirIP_inicial</a:t>
+              <a:t>Dirección de red   Máscara </a:t>
             </a:r>
             <a:r>
               <a:rPr lang="es-MX" sz="1600" dirty="0">
@@ -6055,7 +6055,7 @@
                 <a:latin typeface="Arial" panose="020B0604020202020204" pitchFamily="34" charset="0"/>
                 <a:cs typeface="Arial" panose="020B0604020202020204" pitchFamily="34" charset="0"/>
               </a:rPr>
-              <a:t> Máscara de subred</a:t>
+              <a:t>de subred</a:t>
             </a:r>
           </a:p>
         </p:txBody>
